--- a/Azure Storage.pptx
+++ b/Azure Storage.pptx
@@ -23,6 +23,13 @@
     <p:sldId id="271" r:id="rId17"/>
     <p:sldId id="272" r:id="rId18"/>
     <p:sldId id="279" r:id="rId19"/>
+    <p:sldId id="280" r:id="rId20"/>
+    <p:sldId id="273" r:id="rId21"/>
+    <p:sldId id="274" r:id="rId22"/>
+    <p:sldId id="275" r:id="rId23"/>
+    <p:sldId id="276" r:id="rId24"/>
+    <p:sldId id="277" r:id="rId25"/>
+    <p:sldId id="278" r:id="rId26"/>
   </p:sldIdLst>
   <p:sldSz cx="12192000" cy="6858000"/>
   <p:notesSz cx="6858000" cy="9144000"/>
@@ -9545,6 +9552,90 @@
 </p:sld>
 </file>
 
+<file path=ppt/slides/slide19.xml><?xml version="1.0" encoding="utf-8"?>
+<p:sld xmlns:a="http://schemas.openxmlformats.org/drawingml/2006/main" xmlns:r="http://schemas.openxmlformats.org/officeDocument/2006/relationships" xmlns:p="http://schemas.openxmlformats.org/presentationml/2006/main">
+  <p:cSld>
+    <p:spTree>
+      <p:nvGrpSpPr>
+        <p:cNvPr id="1" name=""/>
+        <p:cNvGrpSpPr/>
+        <p:nvPr/>
+      </p:nvGrpSpPr>
+      <p:grpSpPr>
+        <a:xfrm>
+          <a:off x="0" y="0"/>
+          <a:ext cx="0" cy="0"/>
+          <a:chOff x="0" y="0"/>
+          <a:chExt cx="0" cy="0"/>
+        </a:xfrm>
+      </p:grpSpPr>
+      <p:sp>
+        <p:nvSpPr>
+          <p:cNvPr id="2" name="Title 1">
+            <a:extLst>
+              <a:ext uri="{FF2B5EF4-FFF2-40B4-BE49-F238E27FC236}">
+                <a16:creationId xmlns:a16="http://schemas.microsoft.com/office/drawing/2014/main" id="{6F853902-49B1-AB4B-F93C-3DB36AB528A9}"/>
+              </a:ext>
+            </a:extLst>
+          </p:cNvPr>
+          <p:cNvSpPr>
+            <a:spLocks noGrp="1"/>
+          </p:cNvSpPr>
+          <p:nvPr>
+            <p:ph type="ctrTitle"/>
+          </p:nvPr>
+        </p:nvSpPr>
+        <p:spPr/>
+        <p:txBody>
+          <a:bodyPr/>
+          <a:lstStyle/>
+          <a:p>
+            <a:r>
+              <a:rPr lang="en-US" dirty="0"/>
+              <a:t>Azure Files</a:t>
+            </a:r>
+            <a:endParaRPr lang="en-IN" dirty="0"/>
+          </a:p>
+        </p:txBody>
+      </p:sp>
+      <p:sp>
+        <p:nvSpPr>
+          <p:cNvPr id="3" name="Subtitle 2">
+            <a:extLst>
+              <a:ext uri="{FF2B5EF4-FFF2-40B4-BE49-F238E27FC236}">
+                <a16:creationId xmlns:a16="http://schemas.microsoft.com/office/drawing/2014/main" id="{0E781C27-1BD6-2AA3-3F88-63E84077F1D9}"/>
+              </a:ext>
+            </a:extLst>
+          </p:cNvPr>
+          <p:cNvSpPr>
+            <a:spLocks noGrp="1"/>
+          </p:cNvSpPr>
+          <p:nvPr>
+            <p:ph type="subTitle" idx="1"/>
+          </p:nvPr>
+        </p:nvSpPr>
+        <p:spPr/>
+        <p:txBody>
+          <a:bodyPr/>
+          <a:lstStyle/>
+          <a:p>
+            <a:endParaRPr lang="en-IN"/>
+          </a:p>
+        </p:txBody>
+      </p:sp>
+    </p:spTree>
+    <p:extLst>
+      <p:ext uri="{BB962C8B-B14F-4D97-AF65-F5344CB8AC3E}">
+        <p14:creationId xmlns:p14="http://schemas.microsoft.com/office/powerpoint/2010/main" val="4069751044"/>
+      </p:ext>
+    </p:extLst>
+  </p:cSld>
+  <p:clrMapOvr>
+    <a:masterClrMapping/>
+  </p:clrMapOvr>
+</p:sld>
+</file>
+
 <file path=ppt/slides/slide2.xml><?xml version="1.0" encoding="utf-8"?>
 <p:sld xmlns:a="http://schemas.openxmlformats.org/drawingml/2006/main" xmlns:r="http://schemas.openxmlformats.org/officeDocument/2006/relationships" xmlns:p="http://schemas.openxmlformats.org/presentationml/2006/main">
   <p:cSld>
@@ -9910,6 +10001,592 @@
     <p:extLst>
       <p:ext uri="{BB962C8B-B14F-4D97-AF65-F5344CB8AC3E}">
         <p14:creationId xmlns:p14="http://schemas.microsoft.com/office/powerpoint/2010/main" val="3655610724"/>
+      </p:ext>
+    </p:extLst>
+  </p:cSld>
+  <p:clrMapOvr>
+    <a:masterClrMapping/>
+  </p:clrMapOvr>
+</p:sld>
+</file>
+
+<file path=ppt/slides/slide20.xml><?xml version="1.0" encoding="utf-8"?>
+<p:sld xmlns:a="http://schemas.openxmlformats.org/drawingml/2006/main" xmlns:r="http://schemas.openxmlformats.org/officeDocument/2006/relationships" xmlns:p="http://schemas.openxmlformats.org/presentationml/2006/main">
+  <p:cSld>
+    <p:spTree>
+      <p:nvGrpSpPr>
+        <p:cNvPr id="1" name=""/>
+        <p:cNvGrpSpPr/>
+        <p:nvPr/>
+      </p:nvGrpSpPr>
+      <p:grpSpPr>
+        <a:xfrm>
+          <a:off x="0" y="0"/>
+          <a:ext cx="0" cy="0"/>
+          <a:chOff x="0" y="0"/>
+          <a:chExt cx="0" cy="0"/>
+        </a:xfrm>
+      </p:grpSpPr>
+      <p:sp>
+        <p:nvSpPr>
+          <p:cNvPr id="2" name="Title 1">
+            <a:extLst>
+              <a:ext uri="{FF2B5EF4-FFF2-40B4-BE49-F238E27FC236}">
+                <a16:creationId xmlns:a16="http://schemas.microsoft.com/office/drawing/2014/main" id="{1B20CB0D-2B32-8BA6-CBB2-76B573E3E0C4}"/>
+              </a:ext>
+            </a:extLst>
+          </p:cNvPr>
+          <p:cNvSpPr>
+            <a:spLocks noGrp="1"/>
+          </p:cNvSpPr>
+          <p:nvPr>
+            <p:ph type="title"/>
+          </p:nvPr>
+        </p:nvSpPr>
+        <p:spPr/>
+        <p:txBody>
+          <a:bodyPr/>
+          <a:lstStyle/>
+          <a:p>
+            <a:r>
+              <a:rPr lang="en-US" dirty="0"/>
+              <a:t>Azure Files</a:t>
+            </a:r>
+            <a:endParaRPr lang="en-IN" dirty="0"/>
+          </a:p>
+        </p:txBody>
+      </p:sp>
+      <p:sp>
+        <p:nvSpPr>
+          <p:cNvPr id="3" name="Content Placeholder 2">
+            <a:extLst>
+              <a:ext uri="{FF2B5EF4-FFF2-40B4-BE49-F238E27FC236}">
+                <a16:creationId xmlns:a16="http://schemas.microsoft.com/office/drawing/2014/main" id="{F7D0211F-17E0-4DD3-8B88-C3348830ACED}"/>
+              </a:ext>
+            </a:extLst>
+          </p:cNvPr>
+          <p:cNvSpPr>
+            <a:spLocks noGrp="1"/>
+          </p:cNvSpPr>
+          <p:nvPr>
+            <p:ph idx="1"/>
+          </p:nvPr>
+        </p:nvSpPr>
+        <p:spPr/>
+        <p:txBody>
+          <a:bodyPr/>
+          <a:lstStyle/>
+          <a:p>
+            <a:r>
+              <a:rPr lang="en-US" dirty="0"/>
+              <a:t>Files shares offer shared storage for application using the industry standard SMB protocol</a:t>
+            </a:r>
+            <a:endParaRPr lang="en-IN" dirty="0"/>
+          </a:p>
+        </p:txBody>
+      </p:sp>
+    </p:spTree>
+    <p:extLst>
+      <p:ext uri="{BB962C8B-B14F-4D97-AF65-F5344CB8AC3E}">
+        <p14:creationId xmlns:p14="http://schemas.microsoft.com/office/powerpoint/2010/main" val="2350448501"/>
+      </p:ext>
+    </p:extLst>
+  </p:cSld>
+  <p:clrMapOvr>
+    <a:masterClrMapping/>
+  </p:clrMapOvr>
+</p:sld>
+</file>
+
+<file path=ppt/slides/slide21.xml><?xml version="1.0" encoding="utf-8"?>
+<p:sld xmlns:a="http://schemas.openxmlformats.org/drawingml/2006/main" xmlns:r="http://schemas.openxmlformats.org/officeDocument/2006/relationships" xmlns:p="http://schemas.openxmlformats.org/presentationml/2006/main">
+  <p:cSld>
+    <p:spTree>
+      <p:nvGrpSpPr>
+        <p:cNvPr id="1" name=""/>
+        <p:cNvGrpSpPr/>
+        <p:nvPr/>
+      </p:nvGrpSpPr>
+      <p:grpSpPr>
+        <a:xfrm>
+          <a:off x="0" y="0"/>
+          <a:ext cx="0" cy="0"/>
+          <a:chOff x="0" y="0"/>
+          <a:chExt cx="0" cy="0"/>
+        </a:xfrm>
+      </p:grpSpPr>
+      <p:sp>
+        <p:nvSpPr>
+          <p:cNvPr id="2" name="Title 1">
+            <a:extLst>
+              <a:ext uri="{FF2B5EF4-FFF2-40B4-BE49-F238E27FC236}">
+                <a16:creationId xmlns:a16="http://schemas.microsoft.com/office/drawing/2014/main" id="{CAABF184-0399-597C-3E17-D756548A75BF}"/>
+              </a:ext>
+            </a:extLst>
+          </p:cNvPr>
+          <p:cNvSpPr>
+            <a:spLocks noGrp="1"/>
+          </p:cNvSpPr>
+          <p:nvPr>
+            <p:ph type="title"/>
+          </p:nvPr>
+        </p:nvSpPr>
+        <p:spPr/>
+        <p:txBody>
+          <a:bodyPr/>
+          <a:lstStyle/>
+          <a:p>
+            <a:r>
+              <a:rPr lang="en-US" dirty="0"/>
+              <a:t>Common Use cases</a:t>
+            </a:r>
+            <a:endParaRPr lang="en-IN" dirty="0"/>
+          </a:p>
+        </p:txBody>
+      </p:sp>
+      <p:sp>
+        <p:nvSpPr>
+          <p:cNvPr id="3" name="Content Placeholder 2">
+            <a:extLst>
+              <a:ext uri="{FF2B5EF4-FFF2-40B4-BE49-F238E27FC236}">
+                <a16:creationId xmlns:a16="http://schemas.microsoft.com/office/drawing/2014/main" id="{94B20B04-9252-864C-D82A-53BB45558E85}"/>
+              </a:ext>
+            </a:extLst>
+          </p:cNvPr>
+          <p:cNvSpPr>
+            <a:spLocks noGrp="1"/>
+          </p:cNvSpPr>
+          <p:nvPr>
+            <p:ph idx="1"/>
+          </p:nvPr>
+        </p:nvSpPr>
+        <p:spPr/>
+        <p:txBody>
+          <a:bodyPr/>
+          <a:lstStyle/>
+          <a:p>
+            <a:r>
+              <a:rPr lang="en-US" dirty="0"/>
+              <a:t>Replace and supplement</a:t>
+            </a:r>
+          </a:p>
+          <a:p>
+            <a:r>
+              <a:rPr lang="en-US" dirty="0"/>
+              <a:t>Access Anywhere</a:t>
+            </a:r>
+          </a:p>
+          <a:p>
+            <a:r>
+              <a:rPr lang="en-US" dirty="0"/>
+              <a:t>Lift and shift</a:t>
+            </a:r>
+          </a:p>
+          <a:p>
+            <a:r>
+              <a:rPr lang="en-US" dirty="0"/>
+              <a:t>Shared Applications</a:t>
+            </a:r>
+          </a:p>
+          <a:p>
+            <a:r>
+              <a:rPr lang="en-US" dirty="0"/>
+              <a:t>Diagnostic Data</a:t>
+            </a:r>
+          </a:p>
+          <a:p>
+            <a:r>
+              <a:rPr lang="en-US" dirty="0"/>
+              <a:t>Tools and utilities</a:t>
+            </a:r>
+            <a:endParaRPr lang="en-IN" dirty="0"/>
+          </a:p>
+        </p:txBody>
+      </p:sp>
+    </p:spTree>
+    <p:extLst>
+      <p:ext uri="{BB962C8B-B14F-4D97-AF65-F5344CB8AC3E}">
+        <p14:creationId xmlns:p14="http://schemas.microsoft.com/office/powerpoint/2010/main" val="3429259532"/>
+      </p:ext>
+    </p:extLst>
+  </p:cSld>
+  <p:clrMapOvr>
+    <a:masterClrMapping/>
+  </p:clrMapOvr>
+</p:sld>
+</file>
+
+<file path=ppt/slides/slide22.xml><?xml version="1.0" encoding="utf-8"?>
+<p:sld xmlns:a="http://schemas.openxmlformats.org/drawingml/2006/main" xmlns:r="http://schemas.openxmlformats.org/officeDocument/2006/relationships" xmlns:p="http://schemas.openxmlformats.org/presentationml/2006/main">
+  <p:cSld>
+    <p:spTree>
+      <p:nvGrpSpPr>
+        <p:cNvPr id="1" name=""/>
+        <p:cNvGrpSpPr/>
+        <p:nvPr/>
+      </p:nvGrpSpPr>
+      <p:grpSpPr>
+        <a:xfrm>
+          <a:off x="0" y="0"/>
+          <a:ext cx="0" cy="0"/>
+          <a:chOff x="0" y="0"/>
+          <a:chExt cx="0" cy="0"/>
+        </a:xfrm>
+      </p:grpSpPr>
+      <p:sp>
+        <p:nvSpPr>
+          <p:cNvPr id="2" name="Title 1">
+            <a:extLst>
+              <a:ext uri="{FF2B5EF4-FFF2-40B4-BE49-F238E27FC236}">
+                <a16:creationId xmlns:a16="http://schemas.microsoft.com/office/drawing/2014/main" id="{D33F9D0B-5254-43BB-6AD9-52F89C42E93A}"/>
+              </a:ext>
+            </a:extLst>
+          </p:cNvPr>
+          <p:cNvSpPr>
+            <a:spLocks noGrp="1"/>
+          </p:cNvSpPr>
+          <p:nvPr>
+            <p:ph type="title"/>
+          </p:nvPr>
+        </p:nvSpPr>
+        <p:spPr/>
+        <p:txBody>
+          <a:bodyPr/>
+          <a:lstStyle/>
+          <a:p>
+            <a:r>
+              <a:rPr lang="en-US" dirty="0"/>
+              <a:t>Files vs Blobs</a:t>
+            </a:r>
+            <a:endParaRPr lang="en-IN" dirty="0"/>
+          </a:p>
+        </p:txBody>
+      </p:sp>
+      <p:sp>
+        <p:nvSpPr>
+          <p:cNvPr id="3" name="Content Placeholder 2">
+            <a:extLst>
+              <a:ext uri="{FF2B5EF4-FFF2-40B4-BE49-F238E27FC236}">
+                <a16:creationId xmlns:a16="http://schemas.microsoft.com/office/drawing/2014/main" id="{8FEDC280-3008-5380-4568-F1A9A7C57867}"/>
+              </a:ext>
+            </a:extLst>
+          </p:cNvPr>
+          <p:cNvSpPr>
+            <a:spLocks noGrp="1"/>
+          </p:cNvSpPr>
+          <p:nvPr>
+            <p:ph idx="1"/>
+          </p:nvPr>
+        </p:nvSpPr>
+        <p:spPr/>
+        <p:txBody>
+          <a:bodyPr/>
+          <a:lstStyle/>
+          <a:p>
+            <a:r>
+              <a:rPr lang="en-US" dirty="0"/>
+              <a:t>Azure files are true directory objects. Azure blobs are a flat namespace</a:t>
+            </a:r>
+          </a:p>
+          <a:p>
+            <a:r>
+              <a:rPr lang="en-US" dirty="0"/>
+              <a:t>Azure files are accessed through file shares. Azure blobs are accessed through a container</a:t>
+            </a:r>
+          </a:p>
+          <a:p>
+            <a:r>
+              <a:rPr lang="en-US" dirty="0"/>
+              <a:t>Azure files provide shared access across multiple virtual machines.</a:t>
+            </a:r>
+            <a:endParaRPr lang="en-IN" dirty="0"/>
+          </a:p>
+        </p:txBody>
+      </p:sp>
+    </p:spTree>
+    <p:extLst>
+      <p:ext uri="{BB962C8B-B14F-4D97-AF65-F5344CB8AC3E}">
+        <p14:creationId xmlns:p14="http://schemas.microsoft.com/office/powerpoint/2010/main" val="630339739"/>
+      </p:ext>
+    </p:extLst>
+  </p:cSld>
+  <p:clrMapOvr>
+    <a:masterClrMapping/>
+  </p:clrMapOvr>
+</p:sld>
+</file>
+
+<file path=ppt/slides/slide23.xml><?xml version="1.0" encoding="utf-8"?>
+<p:sld xmlns:a="http://schemas.openxmlformats.org/drawingml/2006/main" xmlns:r="http://schemas.openxmlformats.org/officeDocument/2006/relationships" xmlns:p="http://schemas.openxmlformats.org/presentationml/2006/main">
+  <p:cSld>
+    <p:spTree>
+      <p:nvGrpSpPr>
+        <p:cNvPr id="1" name=""/>
+        <p:cNvGrpSpPr/>
+        <p:nvPr/>
+      </p:nvGrpSpPr>
+      <p:grpSpPr>
+        <a:xfrm>
+          <a:off x="0" y="0"/>
+          <a:ext cx="0" cy="0"/>
+          <a:chOff x="0" y="0"/>
+          <a:chExt cx="0" cy="0"/>
+        </a:xfrm>
+      </p:grpSpPr>
+      <p:sp>
+        <p:nvSpPr>
+          <p:cNvPr id="2" name="Title 1">
+            <a:extLst>
+              <a:ext uri="{FF2B5EF4-FFF2-40B4-BE49-F238E27FC236}">
+                <a16:creationId xmlns:a16="http://schemas.microsoft.com/office/drawing/2014/main" id="{33C02C27-F57F-1021-B39B-A75BB0D81EA1}"/>
+              </a:ext>
+            </a:extLst>
+          </p:cNvPr>
+          <p:cNvSpPr>
+            <a:spLocks noGrp="1"/>
+          </p:cNvSpPr>
+          <p:nvPr>
+            <p:ph type="title"/>
+          </p:nvPr>
+        </p:nvSpPr>
+        <p:spPr/>
+        <p:txBody>
+          <a:bodyPr/>
+          <a:lstStyle/>
+          <a:p>
+            <a:r>
+              <a:rPr lang="en-US" dirty="0"/>
+              <a:t>Creating File Shares</a:t>
+            </a:r>
+            <a:endParaRPr lang="en-IN" dirty="0"/>
+          </a:p>
+        </p:txBody>
+      </p:sp>
+      <p:sp>
+        <p:nvSpPr>
+          <p:cNvPr id="3" name="Content Placeholder 2">
+            <a:extLst>
+              <a:ext uri="{FF2B5EF4-FFF2-40B4-BE49-F238E27FC236}">
+                <a16:creationId xmlns:a16="http://schemas.microsoft.com/office/drawing/2014/main" id="{398565AF-B2DB-4A13-4F19-0842DDFB331F}"/>
+              </a:ext>
+            </a:extLst>
+          </p:cNvPr>
+          <p:cNvSpPr>
+            <a:spLocks noGrp="1"/>
+          </p:cNvSpPr>
+          <p:nvPr>
+            <p:ph idx="1"/>
+          </p:nvPr>
+        </p:nvSpPr>
+        <p:spPr/>
+        <p:txBody>
+          <a:bodyPr/>
+          <a:lstStyle/>
+          <a:p>
+            <a:endParaRPr lang="en-IN"/>
+          </a:p>
+        </p:txBody>
+      </p:sp>
+    </p:spTree>
+    <p:extLst>
+      <p:ext uri="{BB962C8B-B14F-4D97-AF65-F5344CB8AC3E}">
+        <p14:creationId xmlns:p14="http://schemas.microsoft.com/office/powerpoint/2010/main" val="3770764273"/>
+      </p:ext>
+    </p:extLst>
+  </p:cSld>
+  <p:clrMapOvr>
+    <a:masterClrMapping/>
+  </p:clrMapOvr>
+</p:sld>
+</file>
+
+<file path=ppt/slides/slide24.xml><?xml version="1.0" encoding="utf-8"?>
+<p:sld xmlns:a="http://schemas.openxmlformats.org/drawingml/2006/main" xmlns:r="http://schemas.openxmlformats.org/officeDocument/2006/relationships" xmlns:p="http://schemas.openxmlformats.org/presentationml/2006/main">
+  <p:cSld>
+    <p:spTree>
+      <p:nvGrpSpPr>
+        <p:cNvPr id="1" name=""/>
+        <p:cNvGrpSpPr/>
+        <p:nvPr/>
+      </p:nvGrpSpPr>
+      <p:grpSpPr>
+        <a:xfrm>
+          <a:off x="0" y="0"/>
+          <a:ext cx="0" cy="0"/>
+          <a:chOff x="0" y="0"/>
+          <a:chExt cx="0" cy="0"/>
+        </a:xfrm>
+      </p:grpSpPr>
+      <p:sp>
+        <p:nvSpPr>
+          <p:cNvPr id="2" name="Title 1">
+            <a:extLst>
+              <a:ext uri="{FF2B5EF4-FFF2-40B4-BE49-F238E27FC236}">
+                <a16:creationId xmlns:a16="http://schemas.microsoft.com/office/drawing/2014/main" id="{F856A893-3D02-F45B-00D3-714270C2DA61}"/>
+              </a:ext>
+            </a:extLst>
+          </p:cNvPr>
+          <p:cNvSpPr>
+            <a:spLocks noGrp="1"/>
+          </p:cNvSpPr>
+          <p:nvPr>
+            <p:ph type="ctrTitle"/>
+          </p:nvPr>
+        </p:nvSpPr>
+        <p:spPr/>
+        <p:txBody>
+          <a:bodyPr/>
+          <a:lstStyle/>
+          <a:p>
+            <a:r>
+              <a:rPr lang="en-US" dirty="0"/>
+              <a:t>Storage Security</a:t>
+            </a:r>
+            <a:endParaRPr lang="en-IN" dirty="0"/>
+          </a:p>
+        </p:txBody>
+      </p:sp>
+      <p:sp>
+        <p:nvSpPr>
+          <p:cNvPr id="3" name="Subtitle 2">
+            <a:extLst>
+              <a:ext uri="{FF2B5EF4-FFF2-40B4-BE49-F238E27FC236}">
+                <a16:creationId xmlns:a16="http://schemas.microsoft.com/office/drawing/2014/main" id="{E9A2A063-2059-5CFC-AE5B-B889D80E8BF3}"/>
+              </a:ext>
+            </a:extLst>
+          </p:cNvPr>
+          <p:cNvSpPr>
+            <a:spLocks noGrp="1"/>
+          </p:cNvSpPr>
+          <p:nvPr>
+            <p:ph type="subTitle" idx="1"/>
+          </p:nvPr>
+        </p:nvSpPr>
+        <p:spPr/>
+        <p:txBody>
+          <a:bodyPr/>
+          <a:lstStyle/>
+          <a:p>
+            <a:endParaRPr lang="en-IN"/>
+          </a:p>
+        </p:txBody>
+      </p:sp>
+    </p:spTree>
+    <p:extLst>
+      <p:ext uri="{BB962C8B-B14F-4D97-AF65-F5344CB8AC3E}">
+        <p14:creationId xmlns:p14="http://schemas.microsoft.com/office/powerpoint/2010/main" val="614676270"/>
+      </p:ext>
+    </p:extLst>
+  </p:cSld>
+  <p:clrMapOvr>
+    <a:masterClrMapping/>
+  </p:clrMapOvr>
+</p:sld>
+</file>
+
+<file path=ppt/slides/slide25.xml><?xml version="1.0" encoding="utf-8"?>
+<p:sld xmlns:a="http://schemas.openxmlformats.org/drawingml/2006/main" xmlns:r="http://schemas.openxmlformats.org/officeDocument/2006/relationships" xmlns:p="http://schemas.openxmlformats.org/presentationml/2006/main">
+  <p:cSld>
+    <p:spTree>
+      <p:nvGrpSpPr>
+        <p:cNvPr id="1" name=""/>
+        <p:cNvGrpSpPr/>
+        <p:nvPr/>
+      </p:nvGrpSpPr>
+      <p:grpSpPr>
+        <a:xfrm>
+          <a:off x="0" y="0"/>
+          <a:ext cx="0" cy="0"/>
+          <a:chOff x="0" y="0"/>
+          <a:chExt cx="0" cy="0"/>
+        </a:xfrm>
+      </p:grpSpPr>
+      <p:sp>
+        <p:nvSpPr>
+          <p:cNvPr id="2" name="Title 1">
+            <a:extLst>
+              <a:ext uri="{FF2B5EF4-FFF2-40B4-BE49-F238E27FC236}">
+                <a16:creationId xmlns:a16="http://schemas.microsoft.com/office/drawing/2014/main" id="{270CB071-6BBE-A2A1-E2E7-76F4226CC015}"/>
+              </a:ext>
+            </a:extLst>
+          </p:cNvPr>
+          <p:cNvSpPr>
+            <a:spLocks noGrp="1"/>
+          </p:cNvSpPr>
+          <p:nvPr>
+            <p:ph type="title"/>
+          </p:nvPr>
+        </p:nvSpPr>
+        <p:spPr/>
+        <p:txBody>
+          <a:bodyPr/>
+          <a:lstStyle/>
+          <a:p>
+            <a:r>
+              <a:rPr lang="en-US" dirty="0"/>
+              <a:t>Storage Security</a:t>
+            </a:r>
+            <a:endParaRPr lang="en-IN" dirty="0"/>
+          </a:p>
+        </p:txBody>
+      </p:sp>
+      <p:sp>
+        <p:nvSpPr>
+          <p:cNvPr id="3" name="Content Placeholder 2">
+            <a:extLst>
+              <a:ext uri="{FF2B5EF4-FFF2-40B4-BE49-F238E27FC236}">
+                <a16:creationId xmlns:a16="http://schemas.microsoft.com/office/drawing/2014/main" id="{4C0CC951-7555-F3DE-6379-0AB54AD5D1D1}"/>
+              </a:ext>
+            </a:extLst>
+          </p:cNvPr>
+          <p:cNvSpPr>
+            <a:spLocks noGrp="1"/>
+          </p:cNvSpPr>
+          <p:nvPr>
+            <p:ph idx="1"/>
+          </p:nvPr>
+        </p:nvSpPr>
+        <p:spPr/>
+        <p:txBody>
+          <a:bodyPr/>
+          <a:lstStyle/>
+          <a:p>
+            <a:r>
+              <a:rPr lang="en-US" dirty="0"/>
+              <a:t>Encryption</a:t>
+            </a:r>
+          </a:p>
+          <a:p>
+            <a:r>
+              <a:rPr lang="en-US" dirty="0"/>
+              <a:t>Authentication – Azure Active Directory and Role-Based Access Control</a:t>
+            </a:r>
+          </a:p>
+          <a:p>
+            <a:r>
+              <a:rPr lang="en-US" dirty="0"/>
+              <a:t>Data in transit – HTTPS and SMB</a:t>
+            </a:r>
+          </a:p>
+          <a:p>
+            <a:r>
+              <a:rPr lang="en-US" dirty="0"/>
+              <a:t>Disk Encryption</a:t>
+            </a:r>
+          </a:p>
+          <a:p>
+            <a:r>
+              <a:rPr lang="en-US" dirty="0"/>
+              <a:t>Shared Access Signature</a:t>
+            </a:r>
+            <a:endParaRPr lang="en-IN" dirty="0"/>
+          </a:p>
+        </p:txBody>
+      </p:sp>
+    </p:spTree>
+    <p:extLst>
+      <p:ext uri="{BB962C8B-B14F-4D97-AF65-F5344CB8AC3E}">
+        <p14:creationId xmlns:p14="http://schemas.microsoft.com/office/powerpoint/2010/main" val="957155437"/>
       </p:ext>
     </p:extLst>
   </p:cSld>
